--- a/FinTok.pptx
+++ b/FinTok.pptx
@@ -5529,8 +5529,8 @@
         </p:nvSpPr>
         <p:spPr>
           <a:xfrm>
-            <a:off x="7612433" y="2687106"/>
-            <a:ext cx="3408219" cy="502082"/>
+            <a:off x="7873809" y="2687106"/>
+            <a:ext cx="3028441" cy="502082"/>
           </a:xfrm>
         </p:spPr>
         <p:txBody>
@@ -5540,7 +5540,9 @@
           <a:lstStyle/>
           <a:p>
             <a:r>
-              <a:rPr lang="en-NZ" dirty="0"/>
+              <a:rPr lang="en-NZ" dirty="0">
+                <a:latin typeface="Söhne"/>
+              </a:rPr>
               <a:t>Trade with Intelligence</a:t>
             </a:r>
           </a:p>
@@ -5585,6 +5587,76 @@
           </a:prstGeom>
         </p:spPr>
       </p:pic>
+      <p:sp>
+        <p:nvSpPr>
+          <p:cNvPr id="8" name="TextBox 7">
+            <a:extLst>
+              <a:ext uri="{FF2B5EF4-FFF2-40B4-BE49-F238E27FC236}">
+                <a16:creationId xmlns:a16="http://schemas.microsoft.com/office/drawing/2014/main" id="{F8B5BCF5-FB6A-01E4-CFD2-020FED3CD5D2}"/>
+              </a:ext>
+            </a:extLst>
+          </p:cNvPr>
+          <p:cNvSpPr txBox="1"/>
+          <p:nvPr/>
+        </p:nvSpPr>
+        <p:spPr>
+          <a:xfrm>
+            <a:off x="7156039" y="4882340"/>
+            <a:ext cx="4463979" cy="1200329"/>
+          </a:xfrm>
+          <a:prstGeom prst="rect">
+            <a:avLst/>
+          </a:prstGeom>
+          <a:noFill/>
+        </p:spPr>
+        <p:txBody>
+          <a:bodyPr wrap="none" rtlCol="0">
+            <a:spAutoFit/>
+          </a:bodyPr>
+          <a:lstStyle/>
+          <a:p>
+            <a:pPr algn="ctr"/>
+            <a:r>
+              <a:rPr lang="en-NZ" dirty="0">
+                <a:latin typeface="Söhne"/>
+              </a:rPr>
+              <a:t>Lead Fullstack Developer: </a:t>
+            </a:r>
+            <a:r>
+              <a:rPr lang="en-NZ" b="1" i="0" dirty="0">
+                <a:effectLst/>
+                <a:latin typeface="Söhne"/>
+              </a:rPr>
+              <a:t>Viktor Khachatryan</a:t>
+            </a:r>
+          </a:p>
+          <a:p>
+            <a:pPr algn="ctr"/>
+            <a:endParaRPr lang="en-NZ" dirty="0">
+              <a:latin typeface="Söhne"/>
+            </a:endParaRPr>
+          </a:p>
+          <a:p>
+            <a:pPr algn="ctr"/>
+            <a:r>
+              <a:rPr lang="en-NZ" dirty="0">
+                <a:latin typeface="Söhne"/>
+              </a:rPr>
+              <a:t>Fullstack Developer: </a:t>
+            </a:r>
+            <a:r>
+              <a:rPr lang="en-NZ" b="1" i="0" dirty="0">
+                <a:effectLst/>
+                <a:latin typeface="Söhne"/>
+              </a:rPr>
+              <a:t>Joseph Klopper</a:t>
+            </a:r>
+          </a:p>
+          <a:p>
+            <a:endParaRPr lang="en-NZ" dirty="0"/>
+          </a:p>
+        </p:txBody>
+      </p:sp>
     </p:spTree>
     <p:extLst>
       <p:ext uri="{BB962C8B-B14F-4D97-AF65-F5344CB8AC3E}">
@@ -6360,7 +6432,7 @@
       </p:grpSpPr>
       <p:sp useBgFill="1">
         <p:nvSpPr>
-          <p:cNvPr id="31" name="Rectangle 30">
+          <p:cNvPr id="54" name="Rectangle 53">
             <a:extLst>
               <a:ext uri="{FF2B5EF4-FFF2-40B4-BE49-F238E27FC236}">
                 <a16:creationId xmlns:a16="http://schemas.microsoft.com/office/drawing/2014/main" id="{C868C70C-E5C4-CD47-888C-FCB3373B6D38}"/>
@@ -6420,7 +6492,7 @@
       </p:sp>
       <p:sp>
         <p:nvSpPr>
-          <p:cNvPr id="33" name="Rectangle 32">
+          <p:cNvPr id="56" name="Rectangle 55">
             <a:extLst>
               <a:ext uri="{FF2B5EF4-FFF2-40B4-BE49-F238E27FC236}">
                 <a16:creationId xmlns:a16="http://schemas.microsoft.com/office/drawing/2014/main" id="{D8C68F39-5E8A-844C-A8FD-394F253C1E5F}"/>
@@ -6513,7 +6585,7 @@
       </p:sp>
       <p:sp>
         <p:nvSpPr>
-          <p:cNvPr id="35" name="Rectangle 34">
+          <p:cNvPr id="58" name="Rectangle 57">
             <a:extLst>
               <a:ext uri="{FF2B5EF4-FFF2-40B4-BE49-F238E27FC236}">
                 <a16:creationId xmlns:a16="http://schemas.microsoft.com/office/drawing/2014/main" id="{BC583CEB-AC2B-2640-94F6-5958E6BC5BAB}"/>
@@ -6713,10 +6785,10 @@
       </p:sp>
       <p:pic>
         <p:nvPicPr>
-          <p:cNvPr id="5" name="Content Placeholder 4">
-            <a:extLst>
-              <a:ext uri="{FF2B5EF4-FFF2-40B4-BE49-F238E27FC236}">
-                <a16:creationId xmlns:a16="http://schemas.microsoft.com/office/drawing/2014/main" id="{E213A3E9-0922-C095-5EE4-956E467270FB}"/>
+          <p:cNvPr id="42" name="Picture 41" descr="A screenshot of a computer screen&#10;&#10;Description automatically generated">
+            <a:extLst>
+              <a:ext uri="{FF2B5EF4-FFF2-40B4-BE49-F238E27FC236}">
+                <a16:creationId xmlns:a16="http://schemas.microsoft.com/office/drawing/2014/main" id="{F54CDD40-73B9-48AE-DE39-3F7C31A8C6D6}"/>
               </a:ext>
             </a:extLst>
           </p:cNvPr>
@@ -6726,15 +6798,21 @@
           <p:nvPr/>
         </p:nvPicPr>
         <p:blipFill>
-          <a:blip r:embed="rId2"/>
+          <a:blip r:embed="rId2">
+            <a:extLst>
+              <a:ext uri="{28A0092B-C50C-407E-A947-70E740481C1C}">
+                <a14:useLocalDpi xmlns:a14="http://schemas.microsoft.com/office/drawing/2010/main" val="0"/>
+              </a:ext>
+            </a:extLst>
+          </a:blip>
           <a:stretch>
             <a:fillRect/>
           </a:stretch>
         </p:blipFill>
         <p:spPr>
           <a:xfrm>
-            <a:off x="6224325" y="1998269"/>
-            <a:ext cx="5199575" cy="2703779"/>
+            <a:off x="6224325" y="2102261"/>
+            <a:ext cx="5199575" cy="2495795"/>
           </a:xfrm>
           <a:prstGeom prst="rect">
             <a:avLst/>
@@ -6781,7 +6859,7 @@
       </p:grpSpPr>
       <p:sp useBgFill="1">
         <p:nvSpPr>
-          <p:cNvPr id="11" name="Rectangle 10">
+          <p:cNvPr id="20" name="Rectangle 19">
             <a:extLst>
               <a:ext uri="{FF2B5EF4-FFF2-40B4-BE49-F238E27FC236}">
                 <a16:creationId xmlns:a16="http://schemas.microsoft.com/office/drawing/2014/main" id="{C868C70C-E5C4-CD47-888C-FCB3373B6D38}"/>
@@ -6857,8 +6935,8 @@
         </p:nvSpPr>
         <p:spPr>
           <a:xfrm>
-            <a:off x="1587710" y="455362"/>
-            <a:ext cx="4018219" cy="1550419"/>
+            <a:off x="576072" y="455362"/>
+            <a:ext cx="3603625" cy="1550419"/>
           </a:xfrm>
         </p:spPr>
         <p:txBody>
@@ -6883,192 +6961,6 @@
       </p:sp>
       <p:sp>
         <p:nvSpPr>
-          <p:cNvPr id="13" name="Rectangle 12">
-            <a:extLst>
-              <a:ext uri="{FF2B5EF4-FFF2-40B4-BE49-F238E27FC236}">
-                <a16:creationId xmlns:a16="http://schemas.microsoft.com/office/drawing/2014/main" id="{D8C68F39-5E8A-844C-A8FD-394F253C1E5F}"/>
-              </a:ext>
-              <a:ext uri="{C183D7F6-B498-43B3-948B-1728B52AA6E4}">
-                <adec:decorative xmlns:adec="http://schemas.microsoft.com/office/drawing/2017/decorative" val="1"/>
-              </a:ext>
-            </a:extLst>
-          </p:cNvPr>
-          <p:cNvSpPr>
-            <a:spLocks noGrp="1" noRot="1" noChangeAspect="1" noMove="1" noResize="1" noEditPoints="1" noAdjustHandles="1" noChangeArrowheads="1" noChangeShapeType="1" noTextEdit="1"/>
-          </p:cNvSpPr>
-          <p:nvPr>
-            <p:extLst>
-              <p:ext uri="{386F3935-93C4-4BCD-93E2-E3B085C9AB24}">
-                <p16:designElem xmlns:p16="http://schemas.microsoft.com/office/powerpoint/2015/main" val="1"/>
-              </p:ext>
-            </p:extLst>
-          </p:nvPr>
-        </p:nvSpPr>
-        <p:spPr>
-          <a:xfrm>
-            <a:off x="0" y="565153"/>
-            <a:ext cx="1133856" cy="6292847"/>
-          </a:xfrm>
-          <a:prstGeom prst="rect">
-            <a:avLst/>
-          </a:prstGeom>
-          <a:gradFill flip="none" rotWithShape="1">
-            <a:gsLst>
-              <a:gs pos="0">
-                <a:schemeClr val="accent1">
-                  <a:alpha val="50000"/>
-                </a:schemeClr>
-              </a:gs>
-              <a:gs pos="81000">
-                <a:schemeClr val="accent4">
-                  <a:alpha val="50000"/>
-                </a:schemeClr>
-              </a:gs>
-              <a:gs pos="25000">
-                <a:schemeClr val="accent2">
-                  <a:alpha val="60000"/>
-                </a:schemeClr>
-              </a:gs>
-              <a:gs pos="50000">
-                <a:schemeClr val="accent3">
-                  <a:alpha val="55000"/>
-                </a:schemeClr>
-              </a:gs>
-              <a:gs pos="99000">
-                <a:schemeClr val="accent5">
-                  <a:alpha val="50000"/>
-                </a:schemeClr>
-              </a:gs>
-            </a:gsLst>
-            <a:path path="circle">
-              <a:fillToRect r="100000" b="100000"/>
-            </a:path>
-            <a:tileRect l="-100000" t="-100000"/>
-          </a:gradFill>
-          <a:ln>
-            <a:noFill/>
-          </a:ln>
-        </p:spPr>
-        <p:style>
-          <a:lnRef idx="2">
-            <a:schemeClr val="accent1">
-              <a:shade val="50000"/>
-            </a:schemeClr>
-          </a:lnRef>
-          <a:fillRef idx="1">
-            <a:schemeClr val="accent1"/>
-          </a:fillRef>
-          <a:effectRef idx="0">
-            <a:schemeClr val="accent1"/>
-          </a:effectRef>
-          <a:fontRef idx="minor">
-            <a:schemeClr val="lt1"/>
-          </a:fontRef>
-        </p:style>
-        <p:txBody>
-          <a:bodyPr rtlCol="0" anchor="ctr"/>
-          <a:lstStyle/>
-          <a:p>
-            <a:pPr algn="ctr"/>
-            <a:endParaRPr lang="en-US"/>
-          </a:p>
-        </p:txBody>
-      </p:sp>
-      <p:sp>
-        <p:nvSpPr>
-          <p:cNvPr id="15" name="Rectangle 14">
-            <a:extLst>
-              <a:ext uri="{FF2B5EF4-FFF2-40B4-BE49-F238E27FC236}">
-                <a16:creationId xmlns:a16="http://schemas.microsoft.com/office/drawing/2014/main" id="{BC583CEB-AC2B-2640-94F6-5958E6BC5BAB}"/>
-              </a:ext>
-              <a:ext uri="{C183D7F6-B498-43B3-948B-1728B52AA6E4}">
-                <adec:decorative xmlns:adec="http://schemas.microsoft.com/office/drawing/2017/decorative" val="1"/>
-              </a:ext>
-            </a:extLst>
-          </p:cNvPr>
-          <p:cNvSpPr>
-            <a:spLocks noGrp="1" noRot="1" noChangeAspect="1" noMove="1" noResize="1" noEditPoints="1" noAdjustHandles="1" noChangeArrowheads="1" noChangeShapeType="1" noTextEdit="1"/>
-          </p:cNvSpPr>
-          <p:nvPr>
-            <p:extLst>
-              <p:ext uri="{386F3935-93C4-4BCD-93E2-E3B085C9AB24}">
-                <p16:designElem xmlns:p16="http://schemas.microsoft.com/office/powerpoint/2015/main" val="1"/>
-              </p:ext>
-            </p:extLst>
-          </p:nvPr>
-        </p:nvSpPr>
-        <p:spPr>
-          <a:xfrm>
-            <a:off x="0" y="-3"/>
-            <a:ext cx="565150" cy="6857999"/>
-          </a:xfrm>
-          <a:prstGeom prst="rect">
-            <a:avLst/>
-          </a:prstGeom>
-          <a:gradFill flip="none" rotWithShape="1">
-            <a:gsLst>
-              <a:gs pos="0">
-                <a:schemeClr val="accent1">
-                  <a:alpha val="50000"/>
-                </a:schemeClr>
-              </a:gs>
-              <a:gs pos="81000">
-                <a:schemeClr val="accent4">
-                  <a:alpha val="50000"/>
-                </a:schemeClr>
-              </a:gs>
-              <a:gs pos="25000">
-                <a:schemeClr val="accent2">
-                  <a:alpha val="60000"/>
-                </a:schemeClr>
-              </a:gs>
-              <a:gs pos="49000">
-                <a:schemeClr val="accent3">
-                  <a:alpha val="55000"/>
-                </a:schemeClr>
-              </a:gs>
-              <a:gs pos="99000">
-                <a:schemeClr val="accent5">
-                  <a:alpha val="50000"/>
-                </a:schemeClr>
-              </a:gs>
-            </a:gsLst>
-            <a:path path="circle">
-              <a:fillToRect r="100000" b="100000"/>
-            </a:path>
-            <a:tileRect l="-100000" t="-100000"/>
-          </a:gradFill>
-          <a:ln>
-            <a:noFill/>
-          </a:ln>
-        </p:spPr>
-        <p:style>
-          <a:lnRef idx="2">
-            <a:schemeClr val="accent1">
-              <a:shade val="50000"/>
-            </a:schemeClr>
-          </a:lnRef>
-          <a:fillRef idx="1">
-            <a:schemeClr val="accent1"/>
-          </a:fillRef>
-          <a:effectRef idx="0">
-            <a:schemeClr val="accent1"/>
-          </a:effectRef>
-          <a:fontRef idx="minor">
-            <a:schemeClr val="lt1"/>
-          </a:fontRef>
-        </p:style>
-        <p:txBody>
-          <a:bodyPr rtlCol="0" anchor="ctr"/>
-          <a:lstStyle/>
-          <a:p>
-            <a:pPr algn="ctr"/>
-            <a:endParaRPr lang="en-US"/>
-          </a:p>
-        </p:txBody>
-      </p:sp>
-      <p:sp>
-        <p:nvSpPr>
           <p:cNvPr id="6" name="Content Placeholder 8">
             <a:extLst>
               <a:ext uri="{FF2B5EF4-FFF2-40B4-BE49-F238E27FC236}">
@@ -7083,8 +6975,8 @@
         </p:nvSpPr>
         <p:spPr>
           <a:xfrm>
-            <a:off x="1587710" y="2160016"/>
-            <a:ext cx="4018219" cy="2879575"/>
+            <a:off x="576072" y="2160016"/>
+            <a:ext cx="3603625" cy="3926152"/>
           </a:xfrm>
           <a:prstGeom prst="rect">
             <a:avLst/>
@@ -7320,7 +7212,9 @@
           </a:p>
           <a:p>
             <a:pPr marL="0"/>
-            <a:endParaRPr lang="en-US" dirty="0"/>
+            <a:endParaRPr lang="en-US" dirty="0">
+              <a:latin typeface="Söhne"/>
+            </a:endParaRPr>
           </a:p>
           <a:p>
             <a:pPr marL="0"/>
@@ -7330,10 +7224,10 @@
       </p:sp>
       <p:pic>
         <p:nvPicPr>
-          <p:cNvPr id="5" name="Content Placeholder 4">
-            <a:extLst>
-              <a:ext uri="{FF2B5EF4-FFF2-40B4-BE49-F238E27FC236}">
-                <a16:creationId xmlns:a16="http://schemas.microsoft.com/office/drawing/2014/main" id="{6B82944C-18D4-8777-5877-060F94D87AC9}"/>
+          <p:cNvPr id="14" name="Content Placeholder 13" descr="A screenshot of a computer&#10;&#10;Description automatically generated">
+            <a:extLst>
+              <a:ext uri="{FF2B5EF4-FFF2-40B4-BE49-F238E27FC236}">
+                <a16:creationId xmlns:a16="http://schemas.microsoft.com/office/drawing/2014/main" id="{4DB91502-9295-07A9-5B37-A2436D312655}"/>
               </a:ext>
             </a:extLst>
           </p:cNvPr>
@@ -7345,14 +7239,20 @@
           </p:nvPr>
         </p:nvPicPr>
         <p:blipFill rotWithShape="1">
-          <a:blip r:embed="rId2"/>
-          <a:srcRect l="24394" r="24623" b="-1"/>
+          <a:blip r:embed="rId2">
+            <a:extLst>
+              <a:ext uri="{28A0092B-C50C-407E-A947-70E740481C1C}">
+                <a14:useLocalDpi xmlns:a14="http://schemas.microsoft.com/office/drawing/2010/main" val="0"/>
+              </a:ext>
+            </a:extLst>
+          </a:blip>
+          <a:srcRect l="22993" r="24365" b="-1"/>
           <a:stretch/>
         </p:blipFill>
         <p:spPr>
           <a:xfrm>
-            <a:off x="6038059" y="565150"/>
-            <a:ext cx="5588782" cy="5727699"/>
+            <a:off x="4748403" y="10"/>
+            <a:ext cx="7443597" cy="6857990"/>
           </a:xfrm>
           <a:prstGeom prst="rect">
             <a:avLst/>
@@ -7361,6 +7261,192 @@
       </p:pic>
       <p:sp>
         <p:nvSpPr>
+          <p:cNvPr id="22" name="Rectangle 21">
+            <a:extLst>
+              <a:ext uri="{FF2B5EF4-FFF2-40B4-BE49-F238E27FC236}">
+                <a16:creationId xmlns:a16="http://schemas.microsoft.com/office/drawing/2014/main" id="{D8C68F39-5E8A-844C-A8FD-394F253C1E5F}"/>
+              </a:ext>
+              <a:ext uri="{C183D7F6-B498-43B3-948B-1728B52AA6E4}">
+                <adec:decorative xmlns:adec="http://schemas.microsoft.com/office/drawing/2017/decorative" val="1"/>
+              </a:ext>
+            </a:extLst>
+          </p:cNvPr>
+          <p:cNvSpPr>
+            <a:spLocks noGrp="1" noRot="1" noChangeAspect="1" noMove="1" noResize="1" noEditPoints="1" noAdjustHandles="1" noChangeArrowheads="1" noChangeShapeType="1" noTextEdit="1"/>
+          </p:cNvSpPr>
+          <p:nvPr>
+            <p:extLst>
+              <p:ext uri="{386F3935-93C4-4BCD-93E2-E3B085C9AB24}">
+                <p16:designElem xmlns:p16="http://schemas.microsoft.com/office/powerpoint/2015/main" val="1"/>
+              </p:ext>
+            </p:extLst>
+          </p:nvPr>
+        </p:nvSpPr>
+        <p:spPr>
+          <a:xfrm>
+            <a:off x="4748403" y="565153"/>
+            <a:ext cx="1133856" cy="6292847"/>
+          </a:xfrm>
+          <a:prstGeom prst="rect">
+            <a:avLst/>
+          </a:prstGeom>
+          <a:gradFill flip="none" rotWithShape="1">
+            <a:gsLst>
+              <a:gs pos="0">
+                <a:schemeClr val="accent1">
+                  <a:alpha val="50000"/>
+                </a:schemeClr>
+              </a:gs>
+              <a:gs pos="81000">
+                <a:schemeClr val="accent4">
+                  <a:alpha val="50000"/>
+                </a:schemeClr>
+              </a:gs>
+              <a:gs pos="25000">
+                <a:schemeClr val="accent2">
+                  <a:alpha val="60000"/>
+                </a:schemeClr>
+              </a:gs>
+              <a:gs pos="50000">
+                <a:schemeClr val="accent3">
+                  <a:alpha val="55000"/>
+                </a:schemeClr>
+              </a:gs>
+              <a:gs pos="99000">
+                <a:schemeClr val="accent5">
+                  <a:alpha val="50000"/>
+                </a:schemeClr>
+              </a:gs>
+            </a:gsLst>
+            <a:path path="circle">
+              <a:fillToRect r="100000" b="100000"/>
+            </a:path>
+            <a:tileRect l="-100000" t="-100000"/>
+          </a:gradFill>
+          <a:ln>
+            <a:noFill/>
+          </a:ln>
+        </p:spPr>
+        <p:style>
+          <a:lnRef idx="2">
+            <a:schemeClr val="accent1">
+              <a:shade val="50000"/>
+            </a:schemeClr>
+          </a:lnRef>
+          <a:fillRef idx="1">
+            <a:schemeClr val="accent1"/>
+          </a:fillRef>
+          <a:effectRef idx="0">
+            <a:schemeClr val="accent1"/>
+          </a:effectRef>
+          <a:fontRef idx="minor">
+            <a:schemeClr val="lt1"/>
+          </a:fontRef>
+        </p:style>
+        <p:txBody>
+          <a:bodyPr rtlCol="0" anchor="ctr"/>
+          <a:lstStyle/>
+          <a:p>
+            <a:pPr algn="ctr"/>
+            <a:endParaRPr lang="en-US"/>
+          </a:p>
+        </p:txBody>
+      </p:sp>
+      <p:sp>
+        <p:nvSpPr>
+          <p:cNvPr id="24" name="Rectangle 23">
+            <a:extLst>
+              <a:ext uri="{FF2B5EF4-FFF2-40B4-BE49-F238E27FC236}">
+                <a16:creationId xmlns:a16="http://schemas.microsoft.com/office/drawing/2014/main" id="{BC583CEB-AC2B-2640-94F6-5958E6BC5BAB}"/>
+              </a:ext>
+              <a:ext uri="{C183D7F6-B498-43B3-948B-1728B52AA6E4}">
+                <adec:decorative xmlns:adec="http://schemas.microsoft.com/office/drawing/2017/decorative" val="1"/>
+              </a:ext>
+            </a:extLst>
+          </p:cNvPr>
+          <p:cNvSpPr>
+            <a:spLocks noGrp="1" noRot="1" noChangeAspect="1" noMove="1" noResize="1" noEditPoints="1" noAdjustHandles="1" noChangeArrowheads="1" noChangeShapeType="1" noTextEdit="1"/>
+          </p:cNvSpPr>
+          <p:nvPr>
+            <p:extLst>
+              <p:ext uri="{386F3935-93C4-4BCD-93E2-E3B085C9AB24}">
+                <p16:designElem xmlns:p16="http://schemas.microsoft.com/office/powerpoint/2015/main" val="1"/>
+              </p:ext>
+            </p:extLst>
+          </p:nvPr>
+        </p:nvSpPr>
+        <p:spPr>
+          <a:xfrm>
+            <a:off x="4748403" y="-3"/>
+            <a:ext cx="565150" cy="6857999"/>
+          </a:xfrm>
+          <a:prstGeom prst="rect">
+            <a:avLst/>
+          </a:prstGeom>
+          <a:gradFill flip="none" rotWithShape="1">
+            <a:gsLst>
+              <a:gs pos="0">
+                <a:schemeClr val="accent1">
+                  <a:alpha val="50000"/>
+                </a:schemeClr>
+              </a:gs>
+              <a:gs pos="81000">
+                <a:schemeClr val="accent4">
+                  <a:alpha val="50000"/>
+                </a:schemeClr>
+              </a:gs>
+              <a:gs pos="25000">
+                <a:schemeClr val="accent2">
+                  <a:alpha val="60000"/>
+                </a:schemeClr>
+              </a:gs>
+              <a:gs pos="49000">
+                <a:schemeClr val="accent3">
+                  <a:alpha val="55000"/>
+                </a:schemeClr>
+              </a:gs>
+              <a:gs pos="99000">
+                <a:schemeClr val="accent5">
+                  <a:alpha val="50000"/>
+                </a:schemeClr>
+              </a:gs>
+            </a:gsLst>
+            <a:path path="circle">
+              <a:fillToRect r="100000" b="100000"/>
+            </a:path>
+            <a:tileRect l="-100000" t="-100000"/>
+          </a:gradFill>
+          <a:ln>
+            <a:noFill/>
+          </a:ln>
+        </p:spPr>
+        <p:style>
+          <a:lnRef idx="2">
+            <a:schemeClr val="accent1">
+              <a:shade val="50000"/>
+            </a:schemeClr>
+          </a:lnRef>
+          <a:fillRef idx="1">
+            <a:schemeClr val="accent1"/>
+          </a:fillRef>
+          <a:effectRef idx="0">
+            <a:schemeClr val="accent1"/>
+          </a:effectRef>
+          <a:fontRef idx="minor">
+            <a:schemeClr val="lt1"/>
+          </a:fontRef>
+        </p:style>
+        <p:txBody>
+          <a:bodyPr rtlCol="0" anchor="ctr"/>
+          <a:lstStyle/>
+          <a:p>
+            <a:pPr algn="ctr"/>
+            <a:endParaRPr lang="en-US"/>
+          </a:p>
+        </p:txBody>
+      </p:sp>
+      <p:sp>
+        <p:nvSpPr>
           <p:cNvPr id="8" name="TextBox 7">
             <a:extLst>
               <a:ext uri="{FF2B5EF4-FFF2-40B4-BE49-F238E27FC236}">
@@ -7373,7 +7459,7 @@
         </p:nvSpPr>
         <p:spPr>
           <a:xfrm>
-            <a:off x="1639446" y="5791687"/>
+            <a:off x="575948" y="6240403"/>
             <a:ext cx="3347972" cy="307777"/>
           </a:xfrm>
           <a:prstGeom prst="rect">
@@ -7387,6 +7473,11 @@
           </a:bodyPr>
           <a:lstStyle/>
           <a:p>
+            <a:pPr>
+              <a:spcAft>
+                <a:spcPts val="600"/>
+              </a:spcAft>
+            </a:pPr>
             <a:r>
               <a:rPr lang="en-US" sz="1400" dirty="0">
                 <a:latin typeface="Söhne"/>
@@ -7456,10 +7547,10 @@
       </p:sp>
       <p:pic>
         <p:nvPicPr>
-          <p:cNvPr id="5" name="Content Placeholder 4">
-            <a:extLst>
-              <a:ext uri="{FF2B5EF4-FFF2-40B4-BE49-F238E27FC236}">
-                <a16:creationId xmlns:a16="http://schemas.microsoft.com/office/drawing/2014/main" id="{00F24FF2-2164-681B-F36F-3955A8291026}"/>
+          <p:cNvPr id="9" name="Content Placeholder 8" descr="A screenshot of a computer&#10;&#10;Description automatically generated">
+            <a:extLst>
+              <a:ext uri="{FF2B5EF4-FFF2-40B4-BE49-F238E27FC236}">
+                <a16:creationId xmlns:a16="http://schemas.microsoft.com/office/drawing/2014/main" id="{B0457925-9349-87D9-FE32-DFAC69CE5EB9}"/>
               </a:ext>
             </a:extLst>
           </p:cNvPr>
@@ -7471,15 +7562,21 @@
           </p:nvPr>
         </p:nvPicPr>
         <p:blipFill>
-          <a:blip r:embed="rId2"/>
+          <a:blip r:embed="rId2">
+            <a:extLst>
+              <a:ext uri="{28A0092B-C50C-407E-A947-70E740481C1C}">
+                <a14:useLocalDpi xmlns:a14="http://schemas.microsoft.com/office/drawing/2010/main" val="0"/>
+              </a:ext>
+            </a:extLst>
+          </a:blip>
           <a:stretch>
             <a:fillRect/>
           </a:stretch>
         </p:blipFill>
         <p:spPr>
           <a:xfrm>
-            <a:off x="3152503" y="1472301"/>
-            <a:ext cx="7451787" cy="4930337"/>
+            <a:off x="2287449" y="2160588"/>
+            <a:ext cx="8087002" cy="3925887"/>
           </a:xfrm>
         </p:spPr>
       </p:pic>
